--- a/fetu/KryptoMagic Modular Arithmetic For Juniors.pptx
+++ b/fetu/KryptoMagic Modular Arithmetic For Juniors.pptx
@@ -1724,7 +1724,7 @@
           </a:bodyPr>
           <a:p>
             <a:pPr algn="r"/>
-            <a:fld id="{F5ED0B27-0BDB-4DCA-9983-B8C5000B9FF6}" type="slidenum">
+            <a:fld id="{15E0CBC1-C9E3-473C-B0BD-F4DAE8422890}" type="slidenum">
               <a:rPr b="0" lang="en-US" sz="1400" spc="-1" strike="noStrike">
                 <a:latin typeface="Times New Roman"/>
               </a:rPr>
@@ -3187,7 +3187,7 @@
               <a:rPr b="0" lang="en-US" sz="3200" spc="-1" strike="noStrike">
                 <a:latin typeface="Arial"/>
               </a:rPr>
-              <a:t>(C + C) = A </a:t>
+              <a:t>(C - C) = A </a:t>
             </a:r>
             <a:endParaRPr b="0" lang="en-US" sz="3200" spc="-1" strike="noStrike">
               <a:latin typeface="Arial"/>
